--- a/【项目成果物】第11组-hungry/03.项目文件/06.图表.pptx
+++ b/【项目成果物】第11组-hungry/03.项目文件/06.图表.pptx
@@ -5528,7 +5528,7 @@
             <a:pPr algn="ctr"/>
             <a:r>
               <a:rPr lang="zh-CN" altLang="en-US" dirty="0"/>
-              <a:t>拥有</a:t>
+              <a:t>创建</a:t>
             </a:r>
           </a:p>
         </p:txBody>
@@ -6611,7 +6611,7 @@
             <a:pPr algn="ctr"/>
             <a:r>
               <a:rPr lang="zh-CN" altLang="en-US" dirty="0"/>
-              <a:t>拥有</a:t>
+              <a:t>提供</a:t>
             </a:r>
           </a:p>
         </p:txBody>

--- a/【项目成果物】第11组-hungry/03.项目文件/06.图表.pptx
+++ b/【项目成果物】第11组-hungry/03.项目文件/06.图表.pptx
@@ -4242,7 +4242,7 @@
             <a:pPr algn="ctr"/>
             <a:r>
               <a:rPr lang="zh-CN" altLang="en-US" dirty="0"/>
-              <a:t>查看订单</a:t>
+              <a:t>查看订单，制作食品</a:t>
             </a:r>
           </a:p>
         </p:txBody>
